--- a/Presentations/Summation.pptx
+++ b/Presentations/Summation.pptx
@@ -5,7 +5,7 @@
     <p:sldMasterId id="2147483648" r:id="rId1"/>
   </p:sldMasterIdLst>
   <p:notesMasterIdLst>
-    <p:notesMasterId r:id="rId14"/>
+    <p:notesMasterId r:id="rId20"/>
   </p:notesMasterIdLst>
   <p:sldIdLst>
     <p:sldId id="256" r:id="rId2"/>
@@ -18,8 +18,14 @@
     <p:sldId id="268" r:id="rId9"/>
     <p:sldId id="270" r:id="rId10"/>
     <p:sldId id="271" r:id="rId11"/>
-    <p:sldId id="265" r:id="rId12"/>
-    <p:sldId id="266" r:id="rId13"/>
+    <p:sldId id="269" r:id="rId12"/>
+    <p:sldId id="265" r:id="rId13"/>
+    <p:sldId id="266" r:id="rId14"/>
+    <p:sldId id="272" r:id="rId15"/>
+    <p:sldId id="273" r:id="rId16"/>
+    <p:sldId id="267" r:id="rId17"/>
+    <p:sldId id="262" r:id="rId18"/>
+    <p:sldId id="260" r:id="rId19"/>
   </p:sldIdLst>
   <p:sldSz cx="9144000" cy="6858000" type="screen4x3"/>
   <p:notesSz cx="6858000" cy="9144000"/>
@@ -120,7 +126,7 @@
   </p:defaultTextStyle>
   <p:extLst>
     <p:ext uri="{EFAFB233-063F-42B5-8137-9DF3F51BA10A}">
-      <p15:sldGuideLst xmlns:p15="http://schemas.microsoft.com/office/powerpoint/2012/main" xmlns="">
+      <p15:sldGuideLst xmlns:p15="http://schemas.microsoft.com/office/powerpoint/2012/main">
         <p15:guide id="1" orient="horz" pos="2160">
           <p15:clr>
             <a:srgbClr val="A4A3A4"/>
@@ -219,7 +225,7 @@
           <a:p>
             <a:fld id="{D100BD84-52D1-44B8-8AA7-08DE755AC935}" type="datetimeFigureOut">
               <a:rPr lang="en-IN" smtClean="0"/>
-              <a:t>03-03-2016</a:t>
+              <a:t>10-03-2016</a:t>
             </a:fld>
             <a:endParaRPr lang="en-IN" dirty="0"/>
           </a:p>
@@ -645,7 +651,7 @@
     </p:spTree>
     <p:extLst>
       <p:ext uri="{BB962C8B-B14F-4D97-AF65-F5344CB8AC3E}">
-        <p14:creationId xmlns:p14="http://schemas.microsoft.com/office/powerpoint/2010/main" val="3727699144"/>
+        <p14:creationId xmlns:p14="http://schemas.microsoft.com/office/powerpoint/2010/main" val="1272595755"/>
       </p:ext>
     </p:extLst>
   </p:cSld>
@@ -729,7 +735,511 @@
     </p:spTree>
     <p:extLst>
       <p:ext uri="{BB962C8B-B14F-4D97-AF65-F5344CB8AC3E}">
+        <p14:creationId xmlns:p14="http://schemas.microsoft.com/office/powerpoint/2010/main" val="3727699144"/>
+      </p:ext>
+    </p:extLst>
+  </p:cSld>
+  <p:clrMapOvr>
+    <a:masterClrMapping/>
+  </p:clrMapOvr>
+</p:notes>
+</file>
+
+<file path=ppt/notesSlides/notesSlide12.xml><?xml version="1.0" encoding="utf-8"?>
+<p:notes xmlns:a="http://schemas.openxmlformats.org/drawingml/2006/main" xmlns:r="http://schemas.openxmlformats.org/officeDocument/2006/relationships" xmlns:p="http://schemas.openxmlformats.org/presentationml/2006/main">
+  <p:cSld>
+    <p:spTree>
+      <p:nvGrpSpPr>
+        <p:cNvPr id="1" name=""/>
+        <p:cNvGrpSpPr/>
+        <p:nvPr/>
+      </p:nvGrpSpPr>
+      <p:grpSpPr>
+        <a:xfrm>
+          <a:off x="0" y="0"/>
+          <a:ext cx="0" cy="0"/>
+          <a:chOff x="0" y="0"/>
+          <a:chExt cx="0" cy="0"/>
+        </a:xfrm>
+      </p:grpSpPr>
+      <p:sp>
+        <p:nvSpPr>
+          <p:cNvPr id="2" name="Slide Image Placeholder 1"/>
+          <p:cNvSpPr>
+            <a:spLocks noGrp="1" noRot="1" noChangeAspect="1"/>
+          </p:cNvSpPr>
+          <p:nvPr>
+            <p:ph type="sldImg"/>
+          </p:nvPr>
+        </p:nvSpPr>
+        <p:spPr/>
+      </p:sp>
+      <p:sp>
+        <p:nvSpPr>
+          <p:cNvPr id="3" name="Notes Placeholder 2"/>
+          <p:cNvSpPr>
+            <a:spLocks noGrp="1"/>
+          </p:cNvSpPr>
+          <p:nvPr>
+            <p:ph type="body" idx="1"/>
+          </p:nvPr>
+        </p:nvSpPr>
+        <p:spPr/>
+        <p:txBody>
+          <a:bodyPr/>
+          <a:lstStyle/>
+          <a:p>
+            <a:endParaRPr lang="en-US" dirty="0"/>
+          </a:p>
+        </p:txBody>
+      </p:sp>
+      <p:sp>
+        <p:nvSpPr>
+          <p:cNvPr id="4" name="Slide Number Placeholder 3"/>
+          <p:cNvSpPr>
+            <a:spLocks noGrp="1"/>
+          </p:cNvSpPr>
+          <p:nvPr>
+            <p:ph type="sldNum" sz="quarter" idx="10"/>
+          </p:nvPr>
+        </p:nvSpPr>
+        <p:spPr/>
+        <p:txBody>
+          <a:bodyPr/>
+          <a:lstStyle/>
+          <a:p>
+            <a:fld id="{B1B8744A-8E6A-4270-BAED-08E39F16990F}" type="slidenum">
+              <a:rPr lang="en-IN" smtClean="0"/>
+              <a:t>13</a:t>
+            </a:fld>
+            <a:endParaRPr lang="en-IN" dirty="0"/>
+          </a:p>
+        </p:txBody>
+      </p:sp>
+    </p:spTree>
+    <p:extLst>
+      <p:ext uri="{BB962C8B-B14F-4D97-AF65-F5344CB8AC3E}">
         <p14:creationId xmlns:p14="http://schemas.microsoft.com/office/powerpoint/2010/main" val="3805821496"/>
+      </p:ext>
+    </p:extLst>
+  </p:cSld>
+  <p:clrMapOvr>
+    <a:masterClrMapping/>
+  </p:clrMapOvr>
+</p:notes>
+</file>
+
+<file path=ppt/notesSlides/notesSlide13.xml><?xml version="1.0" encoding="utf-8"?>
+<p:notes xmlns:a="http://schemas.openxmlformats.org/drawingml/2006/main" xmlns:r="http://schemas.openxmlformats.org/officeDocument/2006/relationships" xmlns:p="http://schemas.openxmlformats.org/presentationml/2006/main">
+  <p:cSld>
+    <p:spTree>
+      <p:nvGrpSpPr>
+        <p:cNvPr id="1" name=""/>
+        <p:cNvGrpSpPr/>
+        <p:nvPr/>
+      </p:nvGrpSpPr>
+      <p:grpSpPr>
+        <a:xfrm>
+          <a:off x="0" y="0"/>
+          <a:ext cx="0" cy="0"/>
+          <a:chOff x="0" y="0"/>
+          <a:chExt cx="0" cy="0"/>
+        </a:xfrm>
+      </p:grpSpPr>
+      <p:sp>
+        <p:nvSpPr>
+          <p:cNvPr id="2" name="Slide Image Placeholder 1"/>
+          <p:cNvSpPr>
+            <a:spLocks noGrp="1" noRot="1" noChangeAspect="1"/>
+          </p:cNvSpPr>
+          <p:nvPr>
+            <p:ph type="sldImg"/>
+          </p:nvPr>
+        </p:nvSpPr>
+        <p:spPr/>
+      </p:sp>
+      <p:sp>
+        <p:nvSpPr>
+          <p:cNvPr id="3" name="Notes Placeholder 2"/>
+          <p:cNvSpPr>
+            <a:spLocks noGrp="1"/>
+          </p:cNvSpPr>
+          <p:nvPr>
+            <p:ph type="body" idx="1"/>
+          </p:nvPr>
+        </p:nvSpPr>
+        <p:spPr/>
+        <p:txBody>
+          <a:bodyPr/>
+          <a:lstStyle/>
+          <a:p>
+            <a:endParaRPr lang="en-US"/>
+          </a:p>
+        </p:txBody>
+      </p:sp>
+      <p:sp>
+        <p:nvSpPr>
+          <p:cNvPr id="4" name="Slide Number Placeholder 3"/>
+          <p:cNvSpPr>
+            <a:spLocks noGrp="1"/>
+          </p:cNvSpPr>
+          <p:nvPr>
+            <p:ph type="sldNum" sz="quarter" idx="10"/>
+          </p:nvPr>
+        </p:nvSpPr>
+        <p:spPr/>
+        <p:txBody>
+          <a:bodyPr/>
+          <a:lstStyle/>
+          <a:p>
+            <a:fld id="{B1B8744A-8E6A-4270-BAED-08E39F16990F}" type="slidenum">
+              <a:rPr lang="en-IN" smtClean="0"/>
+              <a:t>‹#›</a:t>
+            </a:fld>
+            <a:endParaRPr lang="en-IN" dirty="0"/>
+          </a:p>
+        </p:txBody>
+      </p:sp>
+    </p:spTree>
+    <p:extLst>
+      <p:ext uri="{BB962C8B-B14F-4D97-AF65-F5344CB8AC3E}">
+        <p14:creationId xmlns:p14="http://schemas.microsoft.com/office/powerpoint/2010/main" val="3859530393"/>
+      </p:ext>
+    </p:extLst>
+  </p:cSld>
+  <p:clrMapOvr>
+    <a:masterClrMapping/>
+  </p:clrMapOvr>
+</p:notes>
+</file>
+
+<file path=ppt/notesSlides/notesSlide14.xml><?xml version="1.0" encoding="utf-8"?>
+<p:notes xmlns:a="http://schemas.openxmlformats.org/drawingml/2006/main" xmlns:r="http://schemas.openxmlformats.org/officeDocument/2006/relationships" xmlns:p="http://schemas.openxmlformats.org/presentationml/2006/main">
+  <p:cSld>
+    <p:spTree>
+      <p:nvGrpSpPr>
+        <p:cNvPr id="1" name=""/>
+        <p:cNvGrpSpPr/>
+        <p:nvPr/>
+      </p:nvGrpSpPr>
+      <p:grpSpPr>
+        <a:xfrm>
+          <a:off x="0" y="0"/>
+          <a:ext cx="0" cy="0"/>
+          <a:chOff x="0" y="0"/>
+          <a:chExt cx="0" cy="0"/>
+        </a:xfrm>
+      </p:grpSpPr>
+      <p:sp>
+        <p:nvSpPr>
+          <p:cNvPr id="2" name="Slide Image Placeholder 1"/>
+          <p:cNvSpPr>
+            <a:spLocks noGrp="1" noRot="1" noChangeAspect="1"/>
+          </p:cNvSpPr>
+          <p:nvPr>
+            <p:ph type="sldImg"/>
+          </p:nvPr>
+        </p:nvSpPr>
+        <p:spPr/>
+      </p:sp>
+      <p:sp>
+        <p:nvSpPr>
+          <p:cNvPr id="3" name="Notes Placeholder 2"/>
+          <p:cNvSpPr>
+            <a:spLocks noGrp="1"/>
+          </p:cNvSpPr>
+          <p:nvPr>
+            <p:ph type="body" idx="1"/>
+          </p:nvPr>
+        </p:nvSpPr>
+        <p:spPr/>
+        <p:txBody>
+          <a:bodyPr/>
+          <a:lstStyle/>
+          <a:p>
+            <a:endParaRPr lang="en-US"/>
+          </a:p>
+        </p:txBody>
+      </p:sp>
+      <p:sp>
+        <p:nvSpPr>
+          <p:cNvPr id="4" name="Slide Number Placeholder 3"/>
+          <p:cNvSpPr>
+            <a:spLocks noGrp="1"/>
+          </p:cNvSpPr>
+          <p:nvPr>
+            <p:ph type="sldNum" sz="quarter" idx="10"/>
+          </p:nvPr>
+        </p:nvSpPr>
+        <p:spPr/>
+        <p:txBody>
+          <a:bodyPr/>
+          <a:lstStyle/>
+          <a:p>
+            <a:fld id="{B1B8744A-8E6A-4270-BAED-08E39F16990F}" type="slidenum">
+              <a:rPr lang="en-IN" smtClean="0"/>
+              <a:t>‹#›</a:t>
+            </a:fld>
+            <a:endParaRPr lang="en-IN" dirty="0"/>
+          </a:p>
+        </p:txBody>
+      </p:sp>
+    </p:spTree>
+    <p:extLst>
+      <p:ext uri="{BB962C8B-B14F-4D97-AF65-F5344CB8AC3E}">
+        <p14:creationId xmlns:p14="http://schemas.microsoft.com/office/powerpoint/2010/main" val="2520692240"/>
+      </p:ext>
+    </p:extLst>
+  </p:cSld>
+  <p:clrMapOvr>
+    <a:masterClrMapping/>
+  </p:clrMapOvr>
+</p:notes>
+</file>
+
+<file path=ppt/notesSlides/notesSlide15.xml><?xml version="1.0" encoding="utf-8"?>
+<p:notes xmlns:a="http://schemas.openxmlformats.org/drawingml/2006/main" xmlns:r="http://schemas.openxmlformats.org/officeDocument/2006/relationships" xmlns:p="http://schemas.openxmlformats.org/presentationml/2006/main">
+  <p:cSld>
+    <p:spTree>
+      <p:nvGrpSpPr>
+        <p:cNvPr id="1" name=""/>
+        <p:cNvGrpSpPr/>
+        <p:nvPr/>
+      </p:nvGrpSpPr>
+      <p:grpSpPr>
+        <a:xfrm>
+          <a:off x="0" y="0"/>
+          <a:ext cx="0" cy="0"/>
+          <a:chOff x="0" y="0"/>
+          <a:chExt cx="0" cy="0"/>
+        </a:xfrm>
+      </p:grpSpPr>
+      <p:sp>
+        <p:nvSpPr>
+          <p:cNvPr id="2" name="Slide Image Placeholder 1"/>
+          <p:cNvSpPr>
+            <a:spLocks noGrp="1" noRot="1" noChangeAspect="1"/>
+          </p:cNvSpPr>
+          <p:nvPr>
+            <p:ph type="sldImg"/>
+          </p:nvPr>
+        </p:nvSpPr>
+        <p:spPr/>
+      </p:sp>
+      <p:sp>
+        <p:nvSpPr>
+          <p:cNvPr id="3" name="Notes Placeholder 2"/>
+          <p:cNvSpPr>
+            <a:spLocks noGrp="1"/>
+          </p:cNvSpPr>
+          <p:nvPr>
+            <p:ph type="body" idx="1"/>
+          </p:nvPr>
+        </p:nvSpPr>
+        <p:spPr/>
+        <p:txBody>
+          <a:bodyPr/>
+          <a:lstStyle/>
+          <a:p>
+            <a:endParaRPr lang="en-US" dirty="0"/>
+          </a:p>
+        </p:txBody>
+      </p:sp>
+      <p:sp>
+        <p:nvSpPr>
+          <p:cNvPr id="4" name="Slide Number Placeholder 3"/>
+          <p:cNvSpPr>
+            <a:spLocks noGrp="1"/>
+          </p:cNvSpPr>
+          <p:nvPr>
+            <p:ph type="sldNum" sz="quarter" idx="10"/>
+          </p:nvPr>
+        </p:nvSpPr>
+        <p:spPr/>
+        <p:txBody>
+          <a:bodyPr/>
+          <a:lstStyle/>
+          <a:p>
+            <a:fld id="{B1B8744A-8E6A-4270-BAED-08E39F16990F}" type="slidenum">
+              <a:rPr lang="en-IN" smtClean="0"/>
+              <a:t>14</a:t>
+            </a:fld>
+            <a:endParaRPr lang="en-IN" dirty="0"/>
+          </a:p>
+        </p:txBody>
+      </p:sp>
+    </p:spTree>
+    <p:extLst>
+      <p:ext uri="{BB962C8B-B14F-4D97-AF65-F5344CB8AC3E}">
+        <p14:creationId xmlns:p14="http://schemas.microsoft.com/office/powerpoint/2010/main" val="3402912844"/>
+      </p:ext>
+    </p:extLst>
+  </p:cSld>
+  <p:clrMapOvr>
+    <a:masterClrMapping/>
+  </p:clrMapOvr>
+</p:notes>
+</file>
+
+<file path=ppt/notesSlides/notesSlide16.xml><?xml version="1.0" encoding="utf-8"?>
+<p:notes xmlns:a="http://schemas.openxmlformats.org/drawingml/2006/main" xmlns:r="http://schemas.openxmlformats.org/officeDocument/2006/relationships" xmlns:p="http://schemas.openxmlformats.org/presentationml/2006/main">
+  <p:cSld>
+    <p:spTree>
+      <p:nvGrpSpPr>
+        <p:cNvPr id="1" name=""/>
+        <p:cNvGrpSpPr/>
+        <p:nvPr/>
+      </p:nvGrpSpPr>
+      <p:grpSpPr>
+        <a:xfrm>
+          <a:off x="0" y="0"/>
+          <a:ext cx="0" cy="0"/>
+          <a:chOff x="0" y="0"/>
+          <a:chExt cx="0" cy="0"/>
+        </a:xfrm>
+      </p:grpSpPr>
+      <p:sp>
+        <p:nvSpPr>
+          <p:cNvPr id="2" name="Slide Image Placeholder 1"/>
+          <p:cNvSpPr>
+            <a:spLocks noGrp="1" noRot="1" noChangeAspect="1"/>
+          </p:cNvSpPr>
+          <p:nvPr>
+            <p:ph type="sldImg"/>
+          </p:nvPr>
+        </p:nvSpPr>
+        <p:spPr/>
+      </p:sp>
+      <p:sp>
+        <p:nvSpPr>
+          <p:cNvPr id="3" name="Notes Placeholder 2"/>
+          <p:cNvSpPr>
+            <a:spLocks noGrp="1"/>
+          </p:cNvSpPr>
+          <p:nvPr>
+            <p:ph type="body" idx="1"/>
+          </p:nvPr>
+        </p:nvSpPr>
+        <p:spPr/>
+        <p:txBody>
+          <a:bodyPr/>
+          <a:lstStyle/>
+          <a:p>
+            <a:endParaRPr lang="en-US" dirty="0"/>
+          </a:p>
+        </p:txBody>
+      </p:sp>
+      <p:sp>
+        <p:nvSpPr>
+          <p:cNvPr id="4" name="Slide Number Placeholder 3"/>
+          <p:cNvSpPr>
+            <a:spLocks noGrp="1"/>
+          </p:cNvSpPr>
+          <p:nvPr>
+            <p:ph type="sldNum" sz="quarter" idx="10"/>
+          </p:nvPr>
+        </p:nvSpPr>
+        <p:spPr/>
+        <p:txBody>
+          <a:bodyPr/>
+          <a:lstStyle/>
+          <a:p>
+            <a:fld id="{B1B8744A-8E6A-4270-BAED-08E39F16990F}" type="slidenum">
+              <a:rPr lang="en-IN" smtClean="0"/>
+              <a:t>15</a:t>
+            </a:fld>
+            <a:endParaRPr lang="en-IN" dirty="0"/>
+          </a:p>
+        </p:txBody>
+      </p:sp>
+    </p:spTree>
+    <p:extLst>
+      <p:ext uri="{BB962C8B-B14F-4D97-AF65-F5344CB8AC3E}">
+        <p14:creationId xmlns:p14="http://schemas.microsoft.com/office/powerpoint/2010/main" val="3312100922"/>
+      </p:ext>
+    </p:extLst>
+  </p:cSld>
+  <p:clrMapOvr>
+    <a:masterClrMapping/>
+  </p:clrMapOvr>
+</p:notes>
+</file>
+
+<file path=ppt/notesSlides/notesSlide17.xml><?xml version="1.0" encoding="utf-8"?>
+<p:notes xmlns:a="http://schemas.openxmlformats.org/drawingml/2006/main" xmlns:r="http://schemas.openxmlformats.org/officeDocument/2006/relationships" xmlns:p="http://schemas.openxmlformats.org/presentationml/2006/main">
+  <p:cSld>
+    <p:spTree>
+      <p:nvGrpSpPr>
+        <p:cNvPr id="1" name=""/>
+        <p:cNvGrpSpPr/>
+        <p:nvPr/>
+      </p:nvGrpSpPr>
+      <p:grpSpPr>
+        <a:xfrm>
+          <a:off x="0" y="0"/>
+          <a:ext cx="0" cy="0"/>
+          <a:chOff x="0" y="0"/>
+          <a:chExt cx="0" cy="0"/>
+        </a:xfrm>
+      </p:grpSpPr>
+      <p:sp>
+        <p:nvSpPr>
+          <p:cNvPr id="2" name="Slide Image Placeholder 1"/>
+          <p:cNvSpPr>
+            <a:spLocks noGrp="1" noRot="1" noChangeAspect="1"/>
+          </p:cNvSpPr>
+          <p:nvPr>
+            <p:ph type="sldImg"/>
+          </p:nvPr>
+        </p:nvSpPr>
+        <p:spPr/>
+      </p:sp>
+      <p:sp>
+        <p:nvSpPr>
+          <p:cNvPr id="3" name="Notes Placeholder 2"/>
+          <p:cNvSpPr>
+            <a:spLocks noGrp="1"/>
+          </p:cNvSpPr>
+          <p:nvPr>
+            <p:ph type="body" idx="1"/>
+          </p:nvPr>
+        </p:nvSpPr>
+        <p:spPr/>
+        <p:txBody>
+          <a:bodyPr/>
+          <a:lstStyle/>
+          <a:p>
+            <a:endParaRPr lang="en-US" dirty="0"/>
+          </a:p>
+        </p:txBody>
+      </p:sp>
+      <p:sp>
+        <p:nvSpPr>
+          <p:cNvPr id="4" name="Slide Number Placeholder 3"/>
+          <p:cNvSpPr>
+            <a:spLocks noGrp="1"/>
+          </p:cNvSpPr>
+          <p:nvPr>
+            <p:ph type="sldNum" sz="quarter" idx="10"/>
+          </p:nvPr>
+        </p:nvSpPr>
+        <p:spPr/>
+        <p:txBody>
+          <a:bodyPr/>
+          <a:lstStyle/>
+          <a:p>
+            <a:fld id="{B1B8744A-8E6A-4270-BAED-08E39F16990F}" type="slidenum">
+              <a:rPr lang="en-IN" smtClean="0"/>
+              <a:t>16</a:t>
+            </a:fld>
+            <a:endParaRPr lang="en-IN" dirty="0"/>
+          </a:p>
+        </p:txBody>
+      </p:sp>
+    </p:spTree>
+    <p:extLst>
+      <p:ext uri="{BB962C8B-B14F-4D97-AF65-F5344CB8AC3E}">
+        <p14:creationId xmlns:p14="http://schemas.microsoft.com/office/powerpoint/2010/main" val="2404546457"/>
       </p:ext>
     </p:extLst>
   </p:cSld>
@@ -1119,6 +1629,14 @@
           <a:bodyPr/>
           <a:lstStyle/>
           <a:p>
+            <a:r>
+              <a:rPr lang="en-US" dirty="0"/>
+              <a:t>Compile normal</a:t>
+            </a:r>
+            <a:r>
+              <a:rPr lang="en-US" baseline="0" dirty="0"/>
+              <a:t> code and make them write unrolled code. malloc the array to get random values. Tell them about the random number generator, if they’re getting a zero.</a:t>
+            </a:r>
             <a:endParaRPr lang="en-IN" dirty="0"/>
           </a:p>
         </p:txBody>
@@ -1592,7 +2110,7 @@
           <a:p>
             <a:fld id="{BF0BF998-9713-405B-BE9E-1A4D239711DB}" type="datetimeFigureOut">
               <a:rPr lang="en-IN" smtClean="0"/>
-              <a:t>03-03-2016</a:t>
+              <a:t>10-03-2016</a:t>
             </a:fld>
             <a:endParaRPr lang="en-IN" dirty="0"/>
           </a:p>
@@ -1762,7 +2280,7 @@
           <a:p>
             <a:fld id="{BF0BF998-9713-405B-BE9E-1A4D239711DB}" type="datetimeFigureOut">
               <a:rPr lang="en-IN" smtClean="0"/>
-              <a:t>03-03-2016</a:t>
+              <a:t>10-03-2016</a:t>
             </a:fld>
             <a:endParaRPr lang="en-IN" dirty="0"/>
           </a:p>
@@ -1942,7 +2460,7 @@
           <a:p>
             <a:fld id="{BF0BF998-9713-405B-BE9E-1A4D239711DB}" type="datetimeFigureOut">
               <a:rPr lang="en-IN" smtClean="0"/>
-              <a:t>03-03-2016</a:t>
+              <a:t>10-03-2016</a:t>
             </a:fld>
             <a:endParaRPr lang="en-IN" dirty="0"/>
           </a:p>
@@ -2112,7 +2630,7 @@
           <a:p>
             <a:fld id="{BF0BF998-9713-405B-BE9E-1A4D239711DB}" type="datetimeFigureOut">
               <a:rPr lang="en-IN" smtClean="0"/>
-              <a:t>03-03-2016</a:t>
+              <a:t>10-03-2016</a:t>
             </a:fld>
             <a:endParaRPr lang="en-IN" dirty="0"/>
           </a:p>
@@ -2358,7 +2876,7 @@
           <a:p>
             <a:fld id="{BF0BF998-9713-405B-BE9E-1A4D239711DB}" type="datetimeFigureOut">
               <a:rPr lang="en-IN" smtClean="0"/>
-              <a:t>03-03-2016</a:t>
+              <a:t>10-03-2016</a:t>
             </a:fld>
             <a:endParaRPr lang="en-IN" dirty="0"/>
           </a:p>
@@ -2646,7 +3164,7 @@
           <a:p>
             <a:fld id="{BF0BF998-9713-405B-BE9E-1A4D239711DB}" type="datetimeFigureOut">
               <a:rPr lang="en-IN" smtClean="0"/>
-              <a:t>03-03-2016</a:t>
+              <a:t>10-03-2016</a:t>
             </a:fld>
             <a:endParaRPr lang="en-IN" dirty="0"/>
           </a:p>
@@ -3068,7 +3586,7 @@
           <a:p>
             <a:fld id="{BF0BF998-9713-405B-BE9E-1A4D239711DB}" type="datetimeFigureOut">
               <a:rPr lang="en-IN" smtClean="0"/>
-              <a:t>03-03-2016</a:t>
+              <a:t>10-03-2016</a:t>
             </a:fld>
             <a:endParaRPr lang="en-IN" dirty="0"/>
           </a:p>
@@ -3186,7 +3704,7 @@
           <a:p>
             <a:fld id="{BF0BF998-9713-405B-BE9E-1A4D239711DB}" type="datetimeFigureOut">
               <a:rPr lang="en-IN" smtClean="0"/>
-              <a:t>03-03-2016</a:t>
+              <a:t>10-03-2016</a:t>
             </a:fld>
             <a:endParaRPr lang="en-IN" dirty="0"/>
           </a:p>
@@ -3281,7 +3799,7 @@
           <a:p>
             <a:fld id="{BF0BF998-9713-405B-BE9E-1A4D239711DB}" type="datetimeFigureOut">
               <a:rPr lang="en-IN" smtClean="0"/>
-              <a:t>03-03-2016</a:t>
+              <a:t>10-03-2016</a:t>
             </a:fld>
             <a:endParaRPr lang="en-IN" dirty="0"/>
           </a:p>
@@ -3558,7 +4076,7 @@
           <a:p>
             <a:fld id="{BF0BF998-9713-405B-BE9E-1A4D239711DB}" type="datetimeFigureOut">
               <a:rPr lang="en-IN" smtClean="0"/>
-              <a:t>03-03-2016</a:t>
+              <a:t>10-03-2016</a:t>
             </a:fld>
             <a:endParaRPr lang="en-IN" dirty="0"/>
           </a:p>
@@ -3811,7 +4329,7 @@
           <a:p>
             <a:fld id="{BF0BF998-9713-405B-BE9E-1A4D239711DB}" type="datetimeFigureOut">
               <a:rPr lang="en-IN" smtClean="0"/>
-              <a:t>03-03-2016</a:t>
+              <a:t>10-03-2016</a:t>
             </a:fld>
             <a:endParaRPr lang="en-IN" dirty="0"/>
           </a:p>
@@ -4024,7 +4542,7 @@
           <a:p>
             <a:fld id="{BF0BF998-9713-405B-BE9E-1A4D239711DB}" type="datetimeFigureOut">
               <a:rPr lang="en-IN" smtClean="0"/>
-              <a:t>03-03-2016</a:t>
+              <a:t>10-03-2016</a:t>
             </a:fld>
             <a:endParaRPr lang="en-IN" dirty="0"/>
           </a:p>
@@ -4415,10 +4933,9 @@
           <a:lstStyle/>
           <a:p>
             <a:r>
-              <a:rPr lang="en-IN" dirty="0" smtClean="0"/>
+              <a:rPr lang="en-IN" dirty="0"/>
               <a:t>Summation</a:t>
             </a:r>
-            <a:endParaRPr lang="en-IN" dirty="0"/>
           </a:p>
         </p:txBody>
       </p:sp>
@@ -4432,13 +4949,6 @@
   <p:clrMapOvr>
     <a:masterClrMapping/>
   </p:clrMapOvr>
-  <p:timing>
-    <p:tnLst>
-      <p:par>
-        <p:cTn id="1" dur="indefinite" restart="never" nodeType="tmRoot"/>
-      </p:par>
-    </p:tnLst>
-  </p:timing>
 </p:sld>
 </file>
 
@@ -4475,10 +4985,9 @@
           <a:lstStyle/>
           <a:p>
             <a:r>
-              <a:rPr lang="en-GB" dirty="0" smtClean="0"/>
+              <a:rPr lang="en-GB" dirty="0"/>
               <a:t>Loop Unrolling</a:t>
             </a:r>
-            <a:endParaRPr lang="en-GB" dirty="0"/>
           </a:p>
         </p:txBody>
       </p:sp>
@@ -4564,7 +5073,7 @@
           <a:lstStyle/>
           <a:p>
             <a:r>
-              <a:rPr lang="en-GB" sz="4400" dirty="0" smtClean="0"/>
+              <a:rPr lang="en-GB" sz="4400" dirty="0" err="1"/>
               <a:t>Vs</a:t>
             </a:r>
             <a:endParaRPr lang="en-GB" sz="4400" dirty="0"/>
@@ -4598,7 +5107,7 @@
               <a:buChar char="•"/>
             </a:pPr>
             <a:r>
-              <a:rPr lang="en-GB" dirty="0" smtClean="0"/>
+              <a:rPr lang="en-GB" dirty="0"/>
               <a:t>The one on the right has more memory accesses, at most 4 time slower than the one on the left.</a:t>
             </a:r>
           </a:p>
@@ -4608,7 +5117,7 @@
               <a:buChar char="•"/>
             </a:pPr>
             <a:r>
-              <a:rPr lang="en-GB" dirty="0" smtClean="0"/>
+              <a:rPr lang="en-GB" dirty="0"/>
               <a:t>Remember, we were running these programs with sum declared in the memory</a:t>
             </a:r>
           </a:p>
@@ -4618,9 +5127,14 @@
               <a:buChar char="•"/>
             </a:pPr>
             <a:r>
-              <a:rPr lang="en-GB" dirty="0" smtClean="0"/>
-              <a:t>The run times don’t make much of a difference if sum is declared as register.</a:t>
-            </a:r>
+              <a:rPr lang="en-GB" dirty="0"/>
+              <a:t>The run times don’t make much of a difference if sum is declared </a:t>
+            </a:r>
+            <a:r>
+              <a:rPr lang="en-GB"/>
+              <a:t>as register.</a:t>
+            </a:r>
+            <a:endParaRPr lang="en-GB" dirty="0"/>
           </a:p>
           <a:p>
             <a:pPr marL="742950" lvl="1" indent="-285750">
@@ -4645,6 +5159,86 @@
 </file>
 
 <file path=ppt/slides/slide11.xml><?xml version="1.0" encoding="utf-8"?>
+<p:sld xmlns:a="http://schemas.openxmlformats.org/drawingml/2006/main" xmlns:r="http://schemas.openxmlformats.org/officeDocument/2006/relationships" xmlns:p="http://schemas.openxmlformats.org/presentationml/2006/main" show="0">
+  <p:cSld>
+    <p:spTree>
+      <p:nvGrpSpPr>
+        <p:cNvPr id="1" name=""/>
+        <p:cNvGrpSpPr/>
+        <p:nvPr/>
+      </p:nvGrpSpPr>
+      <p:grpSpPr>
+        <a:xfrm>
+          <a:off x="0" y="0"/>
+          <a:ext cx="0" cy="0"/>
+          <a:chOff x="0" y="0"/>
+          <a:chExt cx="0" cy="0"/>
+        </a:xfrm>
+      </p:grpSpPr>
+      <p:sp>
+        <p:nvSpPr>
+          <p:cNvPr id="2" name="Title 1"/>
+          <p:cNvSpPr>
+            <a:spLocks noGrp="1"/>
+          </p:cNvSpPr>
+          <p:nvPr>
+            <p:ph type="title"/>
+          </p:nvPr>
+        </p:nvSpPr>
+        <p:spPr/>
+        <p:txBody>
+          <a:bodyPr/>
+          <a:lstStyle/>
+          <a:p>
+            <a:r>
+              <a:rPr lang="en-US" dirty="0"/>
+              <a:t>CPU Time</a:t>
+            </a:r>
+            <a:endParaRPr lang="en-IN" dirty="0"/>
+          </a:p>
+        </p:txBody>
+      </p:sp>
+      <p:sp>
+        <p:nvSpPr>
+          <p:cNvPr id="3" name="Content Placeholder 2"/>
+          <p:cNvSpPr>
+            <a:spLocks noGrp="1"/>
+          </p:cNvSpPr>
+          <p:nvPr>
+            <p:ph idx="1"/>
+          </p:nvPr>
+        </p:nvSpPr>
+        <p:spPr/>
+        <p:txBody>
+          <a:bodyPr/>
+          <a:lstStyle/>
+          <a:p>
+            <a:endParaRPr lang="en-IN" dirty="0"/>
+          </a:p>
+        </p:txBody>
+      </p:sp>
+    </p:spTree>
+    <p:extLst>
+      <p:ext uri="{BB962C8B-B14F-4D97-AF65-F5344CB8AC3E}">
+        <p14:creationId xmlns:p14="http://schemas.microsoft.com/office/powerpoint/2010/main" val="181752798"/>
+      </p:ext>
+    </p:extLst>
+  </p:cSld>
+  <p:clrMapOvr>
+    <a:masterClrMapping/>
+  </p:clrMapOvr>
+  <mc:AlternateContent xmlns:mc="http://schemas.openxmlformats.org/markup-compatibility/2006" xmlns:p14="http://schemas.microsoft.com/office/powerpoint/2010/main">
+    <mc:Choice Requires="p14">
+      <p:transition spd="slow" p14:dur="2000"/>
+    </mc:Choice>
+    <mc:Fallback xmlns="">
+      <p:transition spd="slow"/>
+    </mc:Fallback>
+  </mc:AlternateContent>
+</p:sld>
+</file>
+
+<file path=ppt/slides/slide12.xml><?xml version="1.0" encoding="utf-8"?>
 <p:sld xmlns:a="http://schemas.openxmlformats.org/drawingml/2006/main" xmlns:r="http://schemas.openxmlformats.org/officeDocument/2006/relationships" xmlns:p="http://schemas.openxmlformats.org/presentationml/2006/main">
   <p:cSld>
     <p:spTree>
@@ -4710,13 +5304,8 @@
             <a:pPr lvl="1"/>
             <a:r>
               <a:rPr lang="en-US" dirty="0"/>
-              <a:t>Code get’s bigger as you </a:t>
-            </a:r>
-            <a:r>
-              <a:rPr lang="en-US" dirty="0" smtClean="0"/>
-              <a:t>unroll more</a:t>
-            </a:r>
-            <a:endParaRPr lang="en-US" dirty="0"/>
+              <a:t>Code get’s bigger as you unroll more</a:t>
+            </a:r>
           </a:p>
           <a:p>
             <a:pPr lvl="1"/>
@@ -5199,7 +5788,7 @@
 </p:sld>
 </file>
 
-<file path=ppt/slides/slide12.xml><?xml version="1.0" encoding="utf-8"?>
+<file path=ppt/slides/slide13.xml><?xml version="1.0" encoding="utf-8"?>
 <p:sld xmlns:a="http://schemas.openxmlformats.org/drawingml/2006/main" xmlns:r="http://schemas.openxmlformats.org/officeDocument/2006/relationships" xmlns:p="http://schemas.openxmlformats.org/presentationml/2006/main">
   <p:cSld>
     <p:spTree>
@@ -5232,16 +5821,12 @@
           <a:lstStyle/>
           <a:p>
             <a:r>
-              <a:rPr lang="en-GB" dirty="0" smtClean="0"/>
+              <a:rPr lang="en-GB" dirty="0"/>
               <a:t>Generalised</a:t>
             </a:r>
             <a:r>
-              <a:rPr lang="en-US" dirty="0" smtClean="0"/>
-              <a:t> </a:t>
-            </a:r>
-            <a:r>
               <a:rPr lang="en-US" dirty="0"/>
-              <a:t>Loop unrolling</a:t>
+              <a:t> Loop unrolling</a:t>
             </a:r>
             <a:endParaRPr lang="en-IN" dirty="0"/>
           </a:p>
@@ -5323,11 +5908,11 @@
             </a:r>
             <a:r>
               <a:rPr lang="en-IN" sz="2400" b="1" dirty="0"/>
-              <a:t>what's remaining</a:t>
+              <a:t>what's remaining </a:t>
             </a:r>
             <a:r>
               <a:rPr lang="en-IN" sz="2400" dirty="0"/>
-              <a:t>.</a:t>
+              <a:t>(since what's remaining can be anything from 0 to N-1 ).</a:t>
             </a:r>
           </a:p>
           <a:p>
@@ -5779,6 +6364,1461 @@
 </p:sld>
 </file>
 
+<file path=ppt/slides/slide14.xml><?xml version="1.0" encoding="utf-8"?>
+<p:sld xmlns:a="http://schemas.openxmlformats.org/drawingml/2006/main" xmlns:r="http://schemas.openxmlformats.org/officeDocument/2006/relationships" xmlns:p="http://schemas.openxmlformats.org/presentationml/2006/main">
+  <p:cSld>
+    <p:spTree>
+      <p:nvGrpSpPr>
+        <p:cNvPr id="1" name=""/>
+        <p:cNvGrpSpPr/>
+        <p:nvPr/>
+      </p:nvGrpSpPr>
+      <p:grpSpPr>
+        <a:xfrm>
+          <a:off x="0" y="0"/>
+          <a:ext cx="0" cy="0"/>
+          <a:chOff x="0" y="0"/>
+          <a:chExt cx="0" cy="0"/>
+        </a:xfrm>
+      </p:grpSpPr>
+      <p:sp>
+        <p:nvSpPr>
+          <p:cNvPr id="2" name="Title 1"/>
+          <p:cNvSpPr>
+            <a:spLocks noGrp="1"/>
+          </p:cNvSpPr>
+          <p:nvPr>
+            <p:ph type="title"/>
+          </p:nvPr>
+        </p:nvSpPr>
+        <p:spPr/>
+        <p:txBody>
+          <a:bodyPr/>
+          <a:lstStyle/>
+          <a:p>
+            <a:r>
+              <a:rPr lang="en-US" dirty="0" err="1"/>
+              <a:t>Generalised</a:t>
+            </a:r>
+            <a:r>
+              <a:rPr lang="en-US" dirty="0"/>
+              <a:t> Loop Unrolling</a:t>
+            </a:r>
+          </a:p>
+        </p:txBody>
+      </p:sp>
+      <p:sp>
+        <p:nvSpPr>
+          <p:cNvPr id="3" name="Content Placeholder 2"/>
+          <p:cNvSpPr>
+            <a:spLocks noGrp="1"/>
+          </p:cNvSpPr>
+          <p:nvPr>
+            <p:ph idx="1"/>
+          </p:nvPr>
+        </p:nvSpPr>
+        <p:spPr/>
+        <p:txBody>
+          <a:bodyPr vert="horz" lIns="91440" tIns="45720" rIns="91440" bIns="45720" rtlCol="0" anchor="t">
+            <a:normAutofit fontScale="77500" lnSpcReduction="20000"/>
+          </a:bodyPr>
+          <a:lstStyle/>
+          <a:p>
+            <a:r>
+              <a:rPr lang="en-US" dirty="0"/>
+              <a:t>Consider a loop of unroll-length 4</a:t>
+            </a:r>
+          </a:p>
+          <a:p>
+            <a:r>
+              <a:rPr lang="en-US" dirty="0"/>
+              <a:t>In this case, N can only be a multiple of 4, i.e 4,8,12,16,20,24,…</a:t>
+            </a:r>
+          </a:p>
+          <a:p>
+            <a:r>
+              <a:rPr lang="en-US" dirty="0"/>
+              <a:t>How would you handle N = 5, 7, 11, 3, 26 ?</a:t>
+            </a:r>
+          </a:p>
+          <a:p>
+            <a:r>
+              <a:rPr lang="en-US" dirty="0"/>
+              <a:t>We split it into a multiple of 4 and the remaining is not a multiple of 4.</a:t>
+            </a:r>
+          </a:p>
+          <a:p>
+            <a:pPr lvl="1"/>
+            <a:r>
+              <a:rPr lang="en-US" dirty="0"/>
+              <a:t>5 = </a:t>
+            </a:r>
+            <a:r>
+              <a:rPr lang="en-US" dirty="0">
+                <a:solidFill>
+                  <a:srgbClr val="00B050"/>
+                </a:solidFill>
+              </a:rPr>
+              <a:t>4 </a:t>
+            </a:r>
+            <a:r>
+              <a:rPr lang="en-US" dirty="0"/>
+              <a:t>+ </a:t>
+            </a:r>
+            <a:r>
+              <a:rPr lang="en-US">
+                <a:solidFill>
+                  <a:srgbClr val="FF0000"/>
+                </a:solidFill>
+              </a:rPr>
+              <a:t>1</a:t>
+            </a:r>
+            <a:endParaRPr lang="en-US" dirty="0">
+              <a:solidFill>
+                <a:srgbClr val="FF0000"/>
+              </a:solidFill>
+            </a:endParaRPr>
+          </a:p>
+          <a:p>
+            <a:pPr lvl="1"/>
+            <a:r>
+              <a:rPr lang="en-US" dirty="0"/>
+              <a:t>7 = </a:t>
+            </a:r>
+            <a:r>
+              <a:rPr lang="en-US" dirty="0">
+                <a:solidFill>
+                  <a:srgbClr val="00B050"/>
+                </a:solidFill>
+                <a:latin typeface="Calibri" charset="0"/>
+              </a:rPr>
+              <a:t>4</a:t>
+            </a:r>
+            <a:r>
+              <a:rPr lang="en-US" dirty="0"/>
+              <a:t> + </a:t>
+            </a:r>
+            <a:r>
+              <a:rPr lang="en-US" dirty="0">
+                <a:solidFill>
+                  <a:srgbClr val="FF0000"/>
+                </a:solidFill>
+              </a:rPr>
+              <a:t>3</a:t>
+            </a:r>
+          </a:p>
+          <a:p>
+            <a:pPr lvl="1"/>
+            <a:r>
+              <a:rPr lang="en-US" dirty="0"/>
+              <a:t>11 = </a:t>
+            </a:r>
+            <a:r>
+              <a:rPr lang="en-US" dirty="0">
+                <a:solidFill>
+                  <a:srgbClr val="00B050"/>
+                </a:solidFill>
+              </a:rPr>
+              <a:t>8 </a:t>
+            </a:r>
+            <a:r>
+              <a:rPr lang="en-US" dirty="0"/>
+              <a:t>+ </a:t>
+            </a:r>
+            <a:r>
+              <a:rPr lang="en-US" dirty="0">
+                <a:solidFill>
+                  <a:srgbClr val="FF0000"/>
+                </a:solidFill>
+              </a:rPr>
+              <a:t>3</a:t>
+            </a:r>
+            <a:r>
+              <a:rPr lang="en-US" dirty="0"/>
+              <a:t> = </a:t>
+            </a:r>
+            <a:r>
+              <a:rPr lang="en-US" dirty="0">
+                <a:solidFill>
+                  <a:srgbClr val="00B050"/>
+                </a:solidFill>
+              </a:rPr>
+              <a:t>4 + 4</a:t>
+            </a:r>
+            <a:r>
+              <a:rPr lang="en-US" dirty="0"/>
+              <a:t> + 3 = </a:t>
+            </a:r>
+            <a:r>
+              <a:rPr lang="en-US" dirty="0">
+                <a:solidFill>
+                  <a:srgbClr val="00B050"/>
+                </a:solidFill>
+              </a:rPr>
+              <a:t>2*4</a:t>
+            </a:r>
+            <a:r>
+              <a:rPr lang="en-US" dirty="0"/>
+              <a:t> + 3 ( </a:t>
+            </a:r>
+            <a:r>
+              <a:rPr lang="en-US" dirty="0">
+                <a:solidFill>
+                  <a:srgbClr val="00B050"/>
+                </a:solidFill>
+              </a:rPr>
+              <a:t>2 iterations of the unrolled loop</a:t>
+            </a:r>
+            <a:r>
+              <a:rPr lang="en-US" dirty="0"/>
+              <a:t>, </a:t>
+            </a:r>
+            <a:r>
+              <a:rPr lang="en-US" dirty="0">
+                <a:solidFill>
+                  <a:srgbClr val="FF0000"/>
+                </a:solidFill>
+              </a:rPr>
+              <a:t>normal loop runs thrice</a:t>
+            </a:r>
+            <a:r>
+              <a:rPr lang="en-US" dirty="0"/>
+              <a:t>)</a:t>
+            </a:r>
+          </a:p>
+          <a:p>
+            <a:pPr lvl="1"/>
+            <a:r>
+              <a:rPr lang="en-US" dirty="0"/>
+              <a:t>3 = </a:t>
+            </a:r>
+            <a:r>
+              <a:rPr lang="en-US" dirty="0">
+                <a:solidFill>
+                  <a:srgbClr val="00B050"/>
+                </a:solidFill>
+              </a:rPr>
+              <a:t>0</a:t>
+            </a:r>
+            <a:r>
+              <a:rPr lang="en-US" dirty="0"/>
+              <a:t> + </a:t>
+            </a:r>
+            <a:r>
+              <a:rPr lang="en-US" dirty="0">
+                <a:solidFill>
+                  <a:srgbClr val="FF0000"/>
+                </a:solidFill>
+              </a:rPr>
+              <a:t>3</a:t>
+            </a:r>
+            <a:r>
+              <a:rPr lang="en-US" dirty="0"/>
+              <a:t> ( the unrolled loop never runs )</a:t>
+            </a:r>
+          </a:p>
+          <a:p>
+            <a:pPr lvl="1"/>
+            <a:r>
+              <a:rPr lang="en-US" dirty="0"/>
+              <a:t>26 = </a:t>
+            </a:r>
+            <a:r>
+              <a:rPr lang="en-US" dirty="0">
+                <a:solidFill>
+                  <a:srgbClr val="00B050"/>
+                </a:solidFill>
+              </a:rPr>
+              <a:t>24</a:t>
+            </a:r>
+            <a:r>
+              <a:rPr lang="en-US" dirty="0"/>
+              <a:t> + </a:t>
+            </a:r>
+            <a:r>
+              <a:rPr lang="en-US" dirty="0">
+                <a:solidFill>
+                  <a:srgbClr val="FF0000"/>
+                </a:solidFill>
+              </a:rPr>
+              <a:t>2</a:t>
+            </a:r>
+            <a:r>
+              <a:rPr lang="en-US" dirty="0"/>
+              <a:t> = </a:t>
+            </a:r>
+            <a:r>
+              <a:rPr lang="en-US" dirty="0">
+                <a:solidFill>
+                  <a:srgbClr val="00B050"/>
+                </a:solidFill>
+              </a:rPr>
+              <a:t>6*4</a:t>
+            </a:r>
+            <a:r>
+              <a:rPr lang="en-US" dirty="0"/>
+              <a:t> + </a:t>
+            </a:r>
+            <a:r>
+              <a:rPr lang="en-US" dirty="0">
+                <a:solidFill>
+                  <a:srgbClr val="FF0000"/>
+                </a:solidFill>
+              </a:rPr>
+              <a:t>2</a:t>
+            </a:r>
+            <a:r>
+              <a:rPr lang="en-US" dirty="0"/>
+              <a:t> ( </a:t>
+            </a:r>
+            <a:r>
+              <a:rPr lang="en-US" dirty="0">
+                <a:solidFill>
+                  <a:srgbClr val="00B050"/>
+                </a:solidFill>
+              </a:rPr>
+              <a:t>unrolled loop runs 6 times</a:t>
+            </a:r>
+            <a:r>
+              <a:rPr lang="en-US" dirty="0"/>
+              <a:t>, </a:t>
+            </a:r>
+            <a:r>
+              <a:rPr lang="en-US" dirty="0">
+                <a:solidFill>
+                  <a:srgbClr val="FF0000"/>
+                </a:solidFill>
+              </a:rPr>
+              <a:t>normal loop runs twice</a:t>
+            </a:r>
+            <a:r>
+              <a:rPr lang="en-US" dirty="0"/>
+              <a:t> )</a:t>
+            </a:r>
+          </a:p>
+        </p:txBody>
+      </p:sp>
+    </p:spTree>
+    <p:extLst>
+      <p:ext uri="{BB962C8B-B14F-4D97-AF65-F5344CB8AC3E}">
+        <p14:creationId xmlns:p14="http://schemas.microsoft.com/office/powerpoint/2010/main" val="875317166"/>
+      </p:ext>
+    </p:extLst>
+  </p:cSld>
+  <p:clrMapOvr>
+    <a:masterClrMapping/>
+  </p:clrMapOvr>
+</p:sld>
+</file>
+
+<file path=ppt/slides/slide15.xml><?xml version="1.0" encoding="utf-8"?>
+<p:sld xmlns:a="http://schemas.openxmlformats.org/drawingml/2006/main" xmlns:r="http://schemas.openxmlformats.org/officeDocument/2006/relationships" xmlns:p="http://schemas.openxmlformats.org/presentationml/2006/main">
+  <p:cSld>
+    <p:spTree>
+      <p:nvGrpSpPr>
+        <p:cNvPr id="1" name=""/>
+        <p:cNvGrpSpPr/>
+        <p:nvPr/>
+      </p:nvGrpSpPr>
+      <p:grpSpPr>
+        <a:xfrm>
+          <a:off x="0" y="0"/>
+          <a:ext cx="0" cy="0"/>
+          <a:chOff x="0" y="0"/>
+          <a:chExt cx="0" cy="0"/>
+        </a:xfrm>
+      </p:grpSpPr>
+      <p:sp>
+        <p:nvSpPr>
+          <p:cNvPr id="2" name="Title 1"/>
+          <p:cNvSpPr>
+            <a:spLocks noGrp="1"/>
+          </p:cNvSpPr>
+          <p:nvPr>
+            <p:ph type="title"/>
+          </p:nvPr>
+        </p:nvSpPr>
+        <p:spPr/>
+        <p:txBody>
+          <a:bodyPr>
+            <a:normAutofit/>
+          </a:bodyPr>
+          <a:lstStyle/>
+          <a:p>
+            <a:r>
+              <a:rPr lang="en-US" dirty="0" err="1">
+                <a:latin typeface="Calibri" charset="0"/>
+              </a:rPr>
+              <a:t>Generalised</a:t>
+            </a:r>
+            <a:r>
+              <a:rPr lang="en-US" dirty="0">
+                <a:latin typeface="Calibri" charset="0"/>
+              </a:rPr>
+              <a:t> Loop Unrolling</a:t>
+            </a:r>
+            <a:endParaRPr lang="en-US" dirty="0"/>
+          </a:p>
+        </p:txBody>
+      </p:sp>
+      <p:sp>
+        <p:nvSpPr>
+          <p:cNvPr id="3" name="Content Placeholder 2"/>
+          <p:cNvSpPr>
+            <a:spLocks noGrp="1"/>
+          </p:cNvSpPr>
+          <p:nvPr>
+            <p:ph idx="1"/>
+          </p:nvPr>
+        </p:nvSpPr>
+        <p:spPr/>
+        <p:txBody>
+          <a:bodyPr vert="horz" lIns="91440" tIns="45720" rIns="91440" bIns="45720" rtlCol="0" anchor="t">
+            <a:normAutofit/>
+          </a:bodyPr>
+          <a:lstStyle/>
+          <a:p>
+            <a:r>
+              <a:rPr lang="en-US" dirty="0"/>
+              <a:t>11 =     </a:t>
+            </a:r>
+            <a:r>
+              <a:rPr lang="en-US" dirty="0">
+                <a:solidFill>
+                  <a:srgbClr val="FF0000"/>
+                </a:solidFill>
+              </a:rPr>
+              <a:t>3</a:t>
+            </a:r>
+            <a:r>
+              <a:rPr lang="en-US" dirty="0"/>
+              <a:t>  +  </a:t>
+            </a:r>
+            <a:r>
+              <a:rPr lang="en-US" dirty="0">
+                <a:solidFill>
+                  <a:srgbClr val="00B050"/>
+                </a:solidFill>
+              </a:rPr>
+              <a:t>4</a:t>
+            </a:r>
+            <a:r>
+              <a:rPr lang="en-US" dirty="0"/>
+              <a:t>  +  </a:t>
+            </a:r>
+            <a:r>
+              <a:rPr lang="en-US" dirty="0">
+                <a:solidFill>
+                  <a:srgbClr val="00B050"/>
+                </a:solidFill>
+              </a:rPr>
+              <a:t>4</a:t>
+            </a:r>
+            <a:r>
+              <a:rPr lang="en-US" dirty="0"/>
+              <a:t> </a:t>
+            </a:r>
+          </a:p>
+          <a:p>
+            <a:r>
+              <a:rPr lang="en-US" dirty="0" err="1">
+                <a:solidFill>
+                  <a:srgbClr val="000000"/>
+                </a:solidFill>
+              </a:rPr>
+              <a:t>iter</a:t>
+            </a:r>
+            <a:r>
+              <a:rPr lang="en-US" dirty="0">
+                <a:solidFill>
+                  <a:srgbClr val="000000"/>
+                </a:solidFill>
+              </a:rPr>
+              <a:t> = </a:t>
+            </a:r>
+            <a:r>
+              <a:rPr lang="en-US" dirty="0">
+                <a:solidFill>
+                  <a:srgbClr val="FF0000"/>
+                </a:solidFill>
+              </a:rPr>
+              <a:t>0 1 2</a:t>
+            </a:r>
+            <a:r>
+              <a:rPr lang="en-US" dirty="0"/>
+              <a:t>  </a:t>
+            </a:r>
+            <a:r>
+              <a:rPr lang="en-US" dirty="0">
+                <a:solidFill>
+                  <a:srgbClr val="00B050"/>
+                </a:solidFill>
+              </a:rPr>
+              <a:t>3-7   8-10</a:t>
+            </a:r>
+          </a:p>
+          <a:p>
+            <a:r>
+              <a:rPr lang="en-US" dirty="0" err="1">
+                <a:solidFill>
+                  <a:srgbClr val="000000"/>
+                </a:solidFill>
+                <a:latin typeface="Calibri" charset="0"/>
+              </a:rPr>
+              <a:t>iter</a:t>
+            </a:r>
+            <a:r>
+              <a:rPr lang="en-US" dirty="0">
+                <a:solidFill>
+                  <a:srgbClr val="000000"/>
+                </a:solidFill>
+                <a:latin typeface="Calibri" charset="0"/>
+              </a:rPr>
+              <a:t> = </a:t>
+            </a:r>
+            <a:r>
+              <a:rPr lang="en-US" dirty="0">
+                <a:solidFill>
+                  <a:srgbClr val="FF0000"/>
+                </a:solidFill>
+                <a:latin typeface="Calibri" charset="0"/>
+              </a:rPr>
+              <a:t>0 1 2</a:t>
+            </a:r>
+            <a:r>
+              <a:rPr lang="en-US" dirty="0">
+                <a:solidFill>
+                  <a:srgbClr val="000000"/>
+                </a:solidFill>
+                <a:latin typeface="Calibri" charset="0"/>
+              </a:rPr>
+              <a:t> executed by the </a:t>
+            </a:r>
+            <a:r>
+              <a:rPr lang="en-US" dirty="0">
+                <a:solidFill>
+                  <a:srgbClr val="FF0000"/>
+                </a:solidFill>
+                <a:latin typeface="Calibri" charset="0"/>
+              </a:rPr>
+              <a:t>normal loop</a:t>
+            </a:r>
+          </a:p>
+          <a:p>
+            <a:r>
+              <a:rPr lang="en-US" dirty="0" err="1">
+                <a:solidFill>
+                  <a:srgbClr val="000000"/>
+                </a:solidFill>
+                <a:latin typeface="Calibri" charset="0"/>
+              </a:rPr>
+              <a:t>iter</a:t>
+            </a:r>
+            <a:r>
+              <a:rPr lang="en-US" dirty="0">
+                <a:solidFill>
+                  <a:srgbClr val="000000"/>
+                </a:solidFill>
+                <a:latin typeface="Calibri" charset="0"/>
+              </a:rPr>
+              <a:t> = </a:t>
+            </a:r>
+            <a:r>
+              <a:rPr lang="en-US" dirty="0">
+                <a:solidFill>
+                  <a:srgbClr val="00B050"/>
+                </a:solidFill>
+                <a:latin typeface="Calibri" charset="0"/>
+              </a:rPr>
+              <a:t>3-7</a:t>
+            </a:r>
+            <a:r>
+              <a:rPr lang="en-US" dirty="0">
+                <a:solidFill>
+                  <a:srgbClr val="000000"/>
+                </a:solidFill>
+                <a:latin typeface="Calibri" charset="0"/>
+              </a:rPr>
+              <a:t> and </a:t>
+            </a:r>
+            <a:r>
+              <a:rPr lang="en-US" dirty="0">
+                <a:solidFill>
+                  <a:srgbClr val="00B050"/>
+                </a:solidFill>
+                <a:latin typeface="Calibri" charset="0"/>
+              </a:rPr>
+              <a:t>8-10</a:t>
+            </a:r>
+            <a:r>
+              <a:rPr lang="en-US" dirty="0">
+                <a:solidFill>
+                  <a:srgbClr val="000000"/>
+                </a:solidFill>
+                <a:latin typeface="Calibri" charset="0"/>
+              </a:rPr>
+              <a:t> executed in 2 iterations by the </a:t>
+            </a:r>
+            <a:r>
+              <a:rPr lang="en-US" dirty="0">
+                <a:solidFill>
+                  <a:srgbClr val="00B050"/>
+                </a:solidFill>
+                <a:latin typeface="Calibri" charset="0"/>
+              </a:rPr>
+              <a:t>unrolled loop</a:t>
+            </a:r>
+            <a:r>
+              <a:rPr lang="en-US" dirty="0">
+                <a:solidFill>
+                  <a:srgbClr val="000000"/>
+                </a:solidFill>
+                <a:latin typeface="Calibri" charset="0"/>
+              </a:rPr>
+              <a:t> of length 4.</a:t>
+            </a:r>
+          </a:p>
+          <a:p>
+            <a:r>
+              <a:rPr lang="en-US" dirty="0">
+                <a:solidFill>
+                  <a:srgbClr val="000000"/>
+                </a:solidFill>
+                <a:latin typeface="Calibri" charset="0"/>
+              </a:rPr>
+              <a:t>Screen shot of normal loop and unrolled loop here.</a:t>
+            </a:r>
+          </a:p>
+        </p:txBody>
+      </p:sp>
+    </p:spTree>
+    <p:extLst>
+      <p:ext uri="{BB962C8B-B14F-4D97-AF65-F5344CB8AC3E}">
+        <p14:creationId xmlns:p14="http://schemas.microsoft.com/office/powerpoint/2010/main" val="2124372334"/>
+      </p:ext>
+    </p:extLst>
+  </p:cSld>
+  <p:clrMapOvr>
+    <a:masterClrMapping/>
+  </p:clrMapOvr>
+</p:sld>
+</file>
+
+<file path=ppt/slides/slide16.xml><?xml version="1.0" encoding="utf-8"?>
+<p:sld xmlns:a="http://schemas.openxmlformats.org/drawingml/2006/main" xmlns:r="http://schemas.openxmlformats.org/officeDocument/2006/relationships" xmlns:p="http://schemas.openxmlformats.org/presentationml/2006/main">
+  <p:cSld>
+    <p:spTree>
+      <p:nvGrpSpPr>
+        <p:cNvPr id="1" name=""/>
+        <p:cNvGrpSpPr/>
+        <p:nvPr/>
+      </p:nvGrpSpPr>
+      <p:grpSpPr>
+        <a:xfrm>
+          <a:off x="0" y="0"/>
+          <a:ext cx="0" cy="0"/>
+          <a:chOff x="0" y="0"/>
+          <a:chExt cx="0" cy="0"/>
+        </a:xfrm>
+      </p:grpSpPr>
+      <p:sp>
+        <p:nvSpPr>
+          <p:cNvPr id="2" name="Title 1"/>
+          <p:cNvSpPr>
+            <a:spLocks noGrp="1"/>
+          </p:cNvSpPr>
+          <p:nvPr>
+            <p:ph type="title"/>
+          </p:nvPr>
+        </p:nvSpPr>
+        <p:spPr/>
+        <p:txBody>
+          <a:bodyPr/>
+          <a:lstStyle/>
+          <a:p>
+            <a:r>
+              <a:rPr lang="en-US" dirty="0">
+                <a:hlinkClick r:id="rId3"/>
+              </a:rPr>
+              <a:t>Duff’s Device</a:t>
+            </a:r>
+            <a:endParaRPr lang="en-IN" dirty="0"/>
+          </a:p>
+        </p:txBody>
+      </p:sp>
+      <p:sp>
+        <p:nvSpPr>
+          <p:cNvPr id="3" name="Content Placeholder 2"/>
+          <p:cNvSpPr>
+            <a:spLocks noGrp="1"/>
+          </p:cNvSpPr>
+          <p:nvPr>
+            <p:ph idx="1"/>
+          </p:nvPr>
+        </p:nvSpPr>
+        <p:spPr/>
+        <p:txBody>
+          <a:bodyPr vert="horz" lIns="91440" tIns="45720" rIns="91440" bIns="45720" rtlCol="0" anchor="t">
+            <a:normAutofit fontScale="92500"/>
+          </a:bodyPr>
+          <a:lstStyle/>
+          <a:p>
+            <a:r>
+              <a:rPr lang="en-IN" dirty="0"/>
+              <a:t>An unrolled loop and the usual loop put together.</a:t>
+            </a:r>
+          </a:p>
+          <a:p>
+            <a:r>
+              <a:rPr lang="en-US" dirty="0"/>
+              <a:t>Uses loopholes C/C++ syntax.</a:t>
+            </a:r>
+          </a:p>
+          <a:p>
+            <a:r>
+              <a:rPr lang="en-US" dirty="0">
+                <a:solidFill>
+                  <a:srgbClr val="00B050"/>
+                </a:solidFill>
+              </a:rPr>
+              <a:t>Advantages</a:t>
+            </a:r>
+          </a:p>
+          <a:p>
+            <a:pPr lvl="1"/>
+            <a:r>
+              <a:rPr lang="en-GB" dirty="0"/>
+              <a:t>Generalised</a:t>
+            </a:r>
+            <a:r>
+              <a:rPr lang="en-US" dirty="0"/>
+              <a:t> unrolling limited to one loop.</a:t>
+            </a:r>
+          </a:p>
+          <a:p>
+            <a:pPr lvl="1"/>
+            <a:r>
+              <a:rPr lang="en-US" dirty="0"/>
+              <a:t>Avoid extra iteration boundary checks ( i.e. iter&lt;N )</a:t>
+            </a:r>
+          </a:p>
+          <a:p>
+            <a:r>
+              <a:rPr lang="en-US" dirty="0">
+                <a:solidFill>
+                  <a:srgbClr val="FF0000"/>
+                </a:solidFill>
+              </a:rPr>
+              <a:t>Disadvantages</a:t>
+            </a:r>
+          </a:p>
+          <a:p>
+            <a:pPr lvl="1"/>
+            <a:r>
+              <a:rPr lang="en-US" dirty="0"/>
+              <a:t>Repetitive iterator update</a:t>
+            </a:r>
+          </a:p>
+          <a:p>
+            <a:pPr lvl="1"/>
+            <a:r>
+              <a:rPr lang="en-US" dirty="0"/>
+              <a:t>Compiler can’t perform software pipelining.</a:t>
+            </a:r>
+          </a:p>
+          <a:p>
+            <a:pPr lvl="1"/>
+            <a:endParaRPr lang="en-US" dirty="0"/>
+          </a:p>
+        </p:txBody>
+      </p:sp>
+    </p:spTree>
+    <p:extLst>
+      <p:ext uri="{BB962C8B-B14F-4D97-AF65-F5344CB8AC3E}">
+        <p14:creationId xmlns:p14="http://schemas.microsoft.com/office/powerpoint/2010/main" val="1996030489"/>
+      </p:ext>
+    </p:extLst>
+  </p:cSld>
+  <p:clrMapOvr>
+    <a:masterClrMapping/>
+  </p:clrMapOvr>
+  <p:timing>
+    <p:tnLst>
+      <p:par>
+        <p:cTn id="1" dur="indefinite" restart="never" nodeType="tmRoot">
+          <p:childTnLst>
+            <p:seq concurrent="1" nextAc="seek">
+              <p:cTn id="2" dur="indefinite" nodeType="mainSeq">
+                <p:childTnLst>
+                  <p:par>
+                    <p:cTn id="3" fill="hold">
+                      <p:stCondLst>
+                        <p:cond delay="indefinite"/>
+                      </p:stCondLst>
+                      <p:childTnLst>
+                        <p:par>
+                          <p:cTn id="4" fill="hold">
+                            <p:stCondLst>
+                              <p:cond delay="0"/>
+                            </p:stCondLst>
+                            <p:childTnLst>
+                              <p:par>
+                                <p:cTn id="5" presetID="10" presetClass="entr" presetSubtype="0" fill="hold" nodeType="clickEffect">
+                                  <p:stCondLst>
+                                    <p:cond delay="0"/>
+                                  </p:stCondLst>
+                                  <p:childTnLst>
+                                    <p:set>
+                                      <p:cBhvr>
+                                        <p:cTn id="6" dur="1" fill="hold">
+                                          <p:stCondLst>
+                                            <p:cond delay="0"/>
+                                          </p:stCondLst>
+                                        </p:cTn>
+                                        <p:tgtEl>
+                                          <p:spTgt spid="3">
+                                            <p:txEl>
+                                              <p:pRg st="0" end="0"/>
+                                            </p:txEl>
+                                          </p:spTgt>
+                                        </p:tgtEl>
+                                        <p:attrNameLst>
+                                          <p:attrName>style.visibility</p:attrName>
+                                        </p:attrNameLst>
+                                      </p:cBhvr>
+                                      <p:to>
+                                        <p:strVal val="visible"/>
+                                      </p:to>
+                                    </p:set>
+                                    <p:animEffect transition="in" filter="fade">
+                                      <p:cBhvr>
+                                        <p:cTn id="7" dur="500"/>
+                                        <p:tgtEl>
+                                          <p:spTgt spid="3">
+                                            <p:txEl>
+                                              <p:pRg st="0" end="0"/>
+                                            </p:txEl>
+                                          </p:spTgt>
+                                        </p:tgtEl>
+                                      </p:cBhvr>
+                                    </p:animEffect>
+                                  </p:childTnLst>
+                                </p:cTn>
+                              </p:par>
+                            </p:childTnLst>
+                          </p:cTn>
+                        </p:par>
+                        <p:par>
+                          <p:cTn id="8" fill="hold">
+                            <p:stCondLst>
+                              <p:cond delay="500"/>
+                            </p:stCondLst>
+                            <p:childTnLst>
+                              <p:par>
+                                <p:cTn id="9" presetID="10" presetClass="entr" presetSubtype="0" fill="hold" nodeType="afterEffect">
+                                  <p:stCondLst>
+                                    <p:cond delay="0"/>
+                                  </p:stCondLst>
+                                  <p:childTnLst>
+                                    <p:set>
+                                      <p:cBhvr>
+                                        <p:cTn id="10" dur="1" fill="hold">
+                                          <p:stCondLst>
+                                            <p:cond delay="0"/>
+                                          </p:stCondLst>
+                                        </p:cTn>
+                                        <p:tgtEl>
+                                          <p:spTgt spid="3">
+                                            <p:txEl>
+                                              <p:pRg st="1" end="1"/>
+                                            </p:txEl>
+                                          </p:spTgt>
+                                        </p:tgtEl>
+                                        <p:attrNameLst>
+                                          <p:attrName>style.visibility</p:attrName>
+                                        </p:attrNameLst>
+                                      </p:cBhvr>
+                                      <p:to>
+                                        <p:strVal val="visible"/>
+                                      </p:to>
+                                    </p:set>
+                                    <p:animEffect transition="in" filter="fade">
+                                      <p:cBhvr>
+                                        <p:cTn id="11" dur="500"/>
+                                        <p:tgtEl>
+                                          <p:spTgt spid="3">
+                                            <p:txEl>
+                                              <p:pRg st="1" end="1"/>
+                                            </p:txEl>
+                                          </p:spTgt>
+                                        </p:tgtEl>
+                                      </p:cBhvr>
+                                    </p:animEffect>
+                                  </p:childTnLst>
+                                </p:cTn>
+                              </p:par>
+                            </p:childTnLst>
+                          </p:cTn>
+                        </p:par>
+                      </p:childTnLst>
+                    </p:cTn>
+                  </p:par>
+                  <p:par>
+                    <p:cTn id="12" fill="hold">
+                      <p:stCondLst>
+                        <p:cond delay="indefinite"/>
+                      </p:stCondLst>
+                      <p:childTnLst>
+                        <p:par>
+                          <p:cTn id="13" fill="hold">
+                            <p:stCondLst>
+                              <p:cond delay="0"/>
+                            </p:stCondLst>
+                            <p:childTnLst>
+                              <p:par>
+                                <p:cTn id="14" presetID="10" presetClass="entr" presetSubtype="0" fill="hold" nodeType="clickEffect">
+                                  <p:stCondLst>
+                                    <p:cond delay="0"/>
+                                  </p:stCondLst>
+                                  <p:childTnLst>
+                                    <p:set>
+                                      <p:cBhvr>
+                                        <p:cTn id="15" dur="1" fill="hold">
+                                          <p:stCondLst>
+                                            <p:cond delay="0"/>
+                                          </p:stCondLst>
+                                        </p:cTn>
+                                        <p:tgtEl>
+                                          <p:spTgt spid="3">
+                                            <p:txEl>
+                                              <p:pRg st="2" end="2"/>
+                                            </p:txEl>
+                                          </p:spTgt>
+                                        </p:tgtEl>
+                                        <p:attrNameLst>
+                                          <p:attrName>style.visibility</p:attrName>
+                                        </p:attrNameLst>
+                                      </p:cBhvr>
+                                      <p:to>
+                                        <p:strVal val="visible"/>
+                                      </p:to>
+                                    </p:set>
+                                    <p:animEffect transition="in" filter="fade">
+                                      <p:cBhvr>
+                                        <p:cTn id="16" dur="500"/>
+                                        <p:tgtEl>
+                                          <p:spTgt spid="3">
+                                            <p:txEl>
+                                              <p:pRg st="2" end="2"/>
+                                            </p:txEl>
+                                          </p:spTgt>
+                                        </p:tgtEl>
+                                      </p:cBhvr>
+                                    </p:animEffect>
+                                  </p:childTnLst>
+                                </p:cTn>
+                              </p:par>
+                            </p:childTnLst>
+                          </p:cTn>
+                        </p:par>
+                        <p:par>
+                          <p:cTn id="17" fill="hold">
+                            <p:stCondLst>
+                              <p:cond delay="500"/>
+                            </p:stCondLst>
+                            <p:childTnLst>
+                              <p:par>
+                                <p:cTn id="18" presetID="10" presetClass="entr" presetSubtype="0" fill="hold" nodeType="afterEffect">
+                                  <p:stCondLst>
+                                    <p:cond delay="0"/>
+                                  </p:stCondLst>
+                                  <p:childTnLst>
+                                    <p:set>
+                                      <p:cBhvr>
+                                        <p:cTn id="19" dur="1" fill="hold">
+                                          <p:stCondLst>
+                                            <p:cond delay="0"/>
+                                          </p:stCondLst>
+                                        </p:cTn>
+                                        <p:tgtEl>
+                                          <p:spTgt spid="3">
+                                            <p:txEl>
+                                              <p:pRg st="3" end="3"/>
+                                            </p:txEl>
+                                          </p:spTgt>
+                                        </p:tgtEl>
+                                        <p:attrNameLst>
+                                          <p:attrName>style.visibility</p:attrName>
+                                        </p:attrNameLst>
+                                      </p:cBhvr>
+                                      <p:to>
+                                        <p:strVal val="visible"/>
+                                      </p:to>
+                                    </p:set>
+                                    <p:animEffect transition="in" filter="fade">
+                                      <p:cBhvr>
+                                        <p:cTn id="20" dur="500"/>
+                                        <p:tgtEl>
+                                          <p:spTgt spid="3">
+                                            <p:txEl>
+                                              <p:pRg st="3" end="3"/>
+                                            </p:txEl>
+                                          </p:spTgt>
+                                        </p:tgtEl>
+                                      </p:cBhvr>
+                                    </p:animEffect>
+                                  </p:childTnLst>
+                                </p:cTn>
+                              </p:par>
+                            </p:childTnLst>
+                          </p:cTn>
+                        </p:par>
+                        <p:par>
+                          <p:cTn id="21" fill="hold">
+                            <p:stCondLst>
+                              <p:cond delay="1000"/>
+                            </p:stCondLst>
+                            <p:childTnLst>
+                              <p:par>
+                                <p:cTn id="22" presetID="10" presetClass="entr" presetSubtype="0" fill="hold" nodeType="afterEffect">
+                                  <p:stCondLst>
+                                    <p:cond delay="0"/>
+                                  </p:stCondLst>
+                                  <p:childTnLst>
+                                    <p:set>
+                                      <p:cBhvr>
+                                        <p:cTn id="23" dur="1" fill="hold">
+                                          <p:stCondLst>
+                                            <p:cond delay="0"/>
+                                          </p:stCondLst>
+                                        </p:cTn>
+                                        <p:tgtEl>
+                                          <p:spTgt spid="3">
+                                            <p:txEl>
+                                              <p:pRg st="4" end="4"/>
+                                            </p:txEl>
+                                          </p:spTgt>
+                                        </p:tgtEl>
+                                        <p:attrNameLst>
+                                          <p:attrName>style.visibility</p:attrName>
+                                        </p:attrNameLst>
+                                      </p:cBhvr>
+                                      <p:to>
+                                        <p:strVal val="visible"/>
+                                      </p:to>
+                                    </p:set>
+                                    <p:animEffect transition="in" filter="fade">
+                                      <p:cBhvr>
+                                        <p:cTn id="24" dur="500"/>
+                                        <p:tgtEl>
+                                          <p:spTgt spid="3">
+                                            <p:txEl>
+                                              <p:pRg st="4" end="4"/>
+                                            </p:txEl>
+                                          </p:spTgt>
+                                        </p:tgtEl>
+                                      </p:cBhvr>
+                                    </p:animEffect>
+                                  </p:childTnLst>
+                                </p:cTn>
+                              </p:par>
+                            </p:childTnLst>
+                          </p:cTn>
+                        </p:par>
+                      </p:childTnLst>
+                    </p:cTn>
+                  </p:par>
+                  <p:par>
+                    <p:cTn id="25" fill="hold">
+                      <p:stCondLst>
+                        <p:cond delay="indefinite"/>
+                      </p:stCondLst>
+                      <p:childTnLst>
+                        <p:par>
+                          <p:cTn id="26" fill="hold">
+                            <p:stCondLst>
+                              <p:cond delay="0"/>
+                            </p:stCondLst>
+                            <p:childTnLst>
+                              <p:par>
+                                <p:cTn id="27" presetID="10" presetClass="entr" presetSubtype="0" fill="hold" nodeType="clickEffect">
+                                  <p:stCondLst>
+                                    <p:cond delay="0"/>
+                                  </p:stCondLst>
+                                  <p:childTnLst>
+                                    <p:set>
+                                      <p:cBhvr>
+                                        <p:cTn id="28" dur="1" fill="hold">
+                                          <p:stCondLst>
+                                            <p:cond delay="0"/>
+                                          </p:stCondLst>
+                                        </p:cTn>
+                                        <p:tgtEl>
+                                          <p:spTgt spid="3">
+                                            <p:txEl>
+                                              <p:pRg st="5" end="5"/>
+                                            </p:txEl>
+                                          </p:spTgt>
+                                        </p:tgtEl>
+                                        <p:attrNameLst>
+                                          <p:attrName>style.visibility</p:attrName>
+                                        </p:attrNameLst>
+                                      </p:cBhvr>
+                                      <p:to>
+                                        <p:strVal val="visible"/>
+                                      </p:to>
+                                    </p:set>
+                                    <p:animEffect transition="in" filter="fade">
+                                      <p:cBhvr>
+                                        <p:cTn id="29" dur="500"/>
+                                        <p:tgtEl>
+                                          <p:spTgt spid="3">
+                                            <p:txEl>
+                                              <p:pRg st="5" end="5"/>
+                                            </p:txEl>
+                                          </p:spTgt>
+                                        </p:tgtEl>
+                                      </p:cBhvr>
+                                    </p:animEffect>
+                                  </p:childTnLst>
+                                </p:cTn>
+                              </p:par>
+                            </p:childTnLst>
+                          </p:cTn>
+                        </p:par>
+                        <p:par>
+                          <p:cTn id="30" fill="hold">
+                            <p:stCondLst>
+                              <p:cond delay="500"/>
+                            </p:stCondLst>
+                            <p:childTnLst>
+                              <p:par>
+                                <p:cTn id="31" presetID="10" presetClass="entr" presetSubtype="0" fill="hold" nodeType="afterEffect">
+                                  <p:stCondLst>
+                                    <p:cond delay="0"/>
+                                  </p:stCondLst>
+                                  <p:childTnLst>
+                                    <p:set>
+                                      <p:cBhvr>
+                                        <p:cTn id="32" dur="1" fill="hold">
+                                          <p:stCondLst>
+                                            <p:cond delay="0"/>
+                                          </p:stCondLst>
+                                        </p:cTn>
+                                        <p:tgtEl>
+                                          <p:spTgt spid="3">
+                                            <p:txEl>
+                                              <p:pRg st="6" end="6"/>
+                                            </p:txEl>
+                                          </p:spTgt>
+                                        </p:tgtEl>
+                                        <p:attrNameLst>
+                                          <p:attrName>style.visibility</p:attrName>
+                                        </p:attrNameLst>
+                                      </p:cBhvr>
+                                      <p:to>
+                                        <p:strVal val="visible"/>
+                                      </p:to>
+                                    </p:set>
+                                    <p:animEffect transition="in" filter="fade">
+                                      <p:cBhvr>
+                                        <p:cTn id="33" dur="500"/>
+                                        <p:tgtEl>
+                                          <p:spTgt spid="3">
+                                            <p:txEl>
+                                              <p:pRg st="6" end="6"/>
+                                            </p:txEl>
+                                          </p:spTgt>
+                                        </p:tgtEl>
+                                      </p:cBhvr>
+                                    </p:animEffect>
+                                  </p:childTnLst>
+                                </p:cTn>
+                              </p:par>
+                            </p:childTnLst>
+                          </p:cTn>
+                        </p:par>
+                        <p:par>
+                          <p:cTn id="34" fill="hold">
+                            <p:stCondLst>
+                              <p:cond delay="1000"/>
+                            </p:stCondLst>
+                            <p:childTnLst>
+                              <p:par>
+                                <p:cTn id="35" presetID="10" presetClass="entr" presetSubtype="0" fill="hold" nodeType="afterEffect">
+                                  <p:stCondLst>
+                                    <p:cond delay="0"/>
+                                  </p:stCondLst>
+                                  <p:childTnLst>
+                                    <p:set>
+                                      <p:cBhvr>
+                                        <p:cTn id="36" dur="1" fill="hold">
+                                          <p:stCondLst>
+                                            <p:cond delay="0"/>
+                                          </p:stCondLst>
+                                        </p:cTn>
+                                        <p:tgtEl>
+                                          <p:spTgt spid="3">
+                                            <p:txEl>
+                                              <p:pRg st="7" end="7"/>
+                                            </p:txEl>
+                                          </p:spTgt>
+                                        </p:tgtEl>
+                                        <p:attrNameLst>
+                                          <p:attrName>style.visibility</p:attrName>
+                                        </p:attrNameLst>
+                                      </p:cBhvr>
+                                      <p:to>
+                                        <p:strVal val="visible"/>
+                                      </p:to>
+                                    </p:set>
+                                    <p:animEffect transition="in" filter="fade">
+                                      <p:cBhvr>
+                                        <p:cTn id="37" dur="500"/>
+                                        <p:tgtEl>
+                                          <p:spTgt spid="3">
+                                            <p:txEl>
+                                              <p:pRg st="7" end="7"/>
+                                            </p:txEl>
+                                          </p:spTgt>
+                                        </p:tgtEl>
+                                      </p:cBhvr>
+                                    </p:animEffect>
+                                  </p:childTnLst>
+                                </p:cTn>
+                              </p:par>
+                            </p:childTnLst>
+                          </p:cTn>
+                        </p:par>
+                      </p:childTnLst>
+                    </p:cTn>
+                  </p:par>
+                </p:childTnLst>
+              </p:cTn>
+              <p:prevCondLst>
+                <p:cond evt="onPrev" delay="0">
+                  <p:tgtEl>
+                    <p:sldTgt/>
+                  </p:tgtEl>
+                </p:cond>
+              </p:prevCondLst>
+              <p:nextCondLst>
+                <p:cond evt="onNext" delay="0">
+                  <p:tgtEl>
+                    <p:sldTgt/>
+                  </p:tgtEl>
+                </p:cond>
+              </p:nextCondLst>
+            </p:seq>
+          </p:childTnLst>
+        </p:cTn>
+      </p:par>
+    </p:tnLst>
+  </p:timing>
+</p:sld>
+</file>
+
+<file path=ppt/slides/slide17.xml><?xml version="1.0" encoding="utf-8"?>
+<p:sld xmlns:a="http://schemas.openxmlformats.org/drawingml/2006/main" xmlns:r="http://schemas.openxmlformats.org/officeDocument/2006/relationships" xmlns:p="http://schemas.openxmlformats.org/presentationml/2006/main">
+  <p:cSld>
+    <p:spTree>
+      <p:nvGrpSpPr>
+        <p:cNvPr id="1" name=""/>
+        <p:cNvGrpSpPr/>
+        <p:nvPr/>
+      </p:nvGrpSpPr>
+      <p:grpSpPr>
+        <a:xfrm>
+          <a:off x="0" y="0"/>
+          <a:ext cx="0" cy="0"/>
+          <a:chOff x="0" y="0"/>
+          <a:chExt cx="0" cy="0"/>
+        </a:xfrm>
+      </p:grpSpPr>
+      <p:sp>
+        <p:nvSpPr>
+          <p:cNvPr id="2" name="Title 1"/>
+          <p:cNvSpPr>
+            <a:spLocks noGrp="1"/>
+          </p:cNvSpPr>
+          <p:nvPr>
+            <p:ph type="title"/>
+          </p:nvPr>
+        </p:nvSpPr>
+        <p:spPr/>
+        <p:txBody>
+          <a:bodyPr/>
+          <a:lstStyle/>
+          <a:p>
+            <a:r>
+              <a:rPr lang="en-US" dirty="0"/>
+              <a:t>Introduction to OpenMP</a:t>
+            </a:r>
+            <a:endParaRPr lang="en-IN" dirty="0"/>
+          </a:p>
+        </p:txBody>
+      </p:sp>
+      <p:sp>
+        <p:nvSpPr>
+          <p:cNvPr id="3" name="Content Placeholder 2"/>
+          <p:cNvSpPr>
+            <a:spLocks noGrp="1"/>
+          </p:cNvSpPr>
+          <p:nvPr>
+            <p:ph idx="1"/>
+          </p:nvPr>
+        </p:nvSpPr>
+        <p:spPr/>
+        <p:txBody>
+          <a:bodyPr/>
+          <a:lstStyle/>
+          <a:p>
+            <a:r>
+              <a:rPr lang="en-US" dirty="0"/>
+              <a:t>Program with Compiler directives</a:t>
+            </a:r>
+          </a:p>
+          <a:p>
+            <a:pPr lvl="1"/>
+            <a:r>
+              <a:rPr lang="en-US" dirty="0"/>
+              <a:t>C/C++ : #pragma</a:t>
+            </a:r>
+          </a:p>
+          <a:p>
+            <a:r>
+              <a:rPr lang="en-US" dirty="0"/>
+              <a:t>Direct the compiler to use the parallelism</a:t>
+            </a:r>
+          </a:p>
+          <a:p>
+            <a:pPr lvl="1"/>
+            <a:r>
+              <a:rPr lang="en-US" dirty="0"/>
+              <a:t>#pragma omp parallel</a:t>
+            </a:r>
+          </a:p>
+          <a:p>
+            <a:r>
+              <a:rPr lang="en-US" dirty="0"/>
+              <a:t>Simple directives</a:t>
+            </a:r>
+          </a:p>
+          <a:p>
+            <a:pPr lvl="1"/>
+            <a:r>
+              <a:rPr lang="en-US" dirty="0"/>
+              <a:t>Parallel for Loop : #pragma omp parallel for</a:t>
+            </a:r>
+          </a:p>
+          <a:p>
+            <a:pPr lvl="1"/>
+            <a:r>
+              <a:rPr lang="en-US" dirty="0"/>
+              <a:t>Each iteration should be independent, so that running them in parallel wouldn’t</a:t>
+            </a:r>
+          </a:p>
+          <a:p>
+            <a:pPr lvl="1"/>
+            <a:endParaRPr lang="en-IN" dirty="0"/>
+          </a:p>
+        </p:txBody>
+      </p:sp>
+    </p:spTree>
+    <p:extLst>
+      <p:ext uri="{BB962C8B-B14F-4D97-AF65-F5344CB8AC3E}">
+        <p14:creationId xmlns:p14="http://schemas.microsoft.com/office/powerpoint/2010/main" val="2905191232"/>
+      </p:ext>
+    </p:extLst>
+  </p:cSld>
+  <p:clrMapOvr>
+    <a:masterClrMapping/>
+  </p:clrMapOvr>
+</p:sld>
+</file>
+
+<file path=ppt/slides/slide18.xml><?xml version="1.0" encoding="utf-8"?>
+<p:sld xmlns:a="http://schemas.openxmlformats.org/drawingml/2006/main" xmlns:r="http://schemas.openxmlformats.org/officeDocument/2006/relationships" xmlns:p="http://schemas.openxmlformats.org/presentationml/2006/main" show="0">
+  <p:cSld>
+    <p:spTree>
+      <p:nvGrpSpPr>
+        <p:cNvPr id="1" name=""/>
+        <p:cNvGrpSpPr/>
+        <p:nvPr/>
+      </p:nvGrpSpPr>
+      <p:grpSpPr>
+        <a:xfrm>
+          <a:off x="0" y="0"/>
+          <a:ext cx="0" cy="0"/>
+          <a:chOff x="0" y="0"/>
+          <a:chExt cx="0" cy="0"/>
+        </a:xfrm>
+      </p:grpSpPr>
+      <p:sp>
+        <p:nvSpPr>
+          <p:cNvPr id="2" name="Title 1"/>
+          <p:cNvSpPr>
+            <a:spLocks noGrp="1"/>
+          </p:cNvSpPr>
+          <p:nvPr>
+            <p:ph type="title"/>
+          </p:nvPr>
+        </p:nvSpPr>
+        <p:spPr/>
+        <p:txBody>
+          <a:bodyPr>
+            <a:normAutofit fontScale="90000"/>
+          </a:bodyPr>
+          <a:lstStyle/>
+          <a:p>
+            <a:r>
+              <a:rPr lang="en-US" dirty="0"/>
+              <a:t>What have we lost with parallelism ?</a:t>
+            </a:r>
+            <a:endParaRPr lang="en-IN" dirty="0"/>
+          </a:p>
+        </p:txBody>
+      </p:sp>
+      <p:sp>
+        <p:nvSpPr>
+          <p:cNvPr id="3" name="Content Placeholder 2"/>
+          <p:cNvSpPr>
+            <a:spLocks noGrp="1"/>
+          </p:cNvSpPr>
+          <p:nvPr>
+            <p:ph idx="1"/>
+          </p:nvPr>
+        </p:nvSpPr>
+        <p:spPr/>
+        <p:txBody>
+          <a:bodyPr/>
+          <a:lstStyle/>
+          <a:p>
+            <a:endParaRPr lang="en-IN" dirty="0"/>
+          </a:p>
+        </p:txBody>
+      </p:sp>
+    </p:spTree>
+    <p:extLst>
+      <p:ext uri="{BB962C8B-B14F-4D97-AF65-F5344CB8AC3E}">
+        <p14:creationId xmlns:p14="http://schemas.microsoft.com/office/powerpoint/2010/main" val="3416859109"/>
+      </p:ext>
+    </p:extLst>
+  </p:cSld>
+  <p:clrMapOvr>
+    <a:masterClrMapping/>
+  </p:clrMapOvr>
+  <mc:AlternateContent xmlns:mc="http://schemas.openxmlformats.org/markup-compatibility/2006" xmlns:p14="http://schemas.microsoft.com/office/powerpoint/2010/main">
+    <mc:Choice Requires="p14">
+      <p:transition spd="slow" p14:dur="2000"/>
+    </mc:Choice>
+    <mc:Fallback xmlns="">
+      <p:transition spd="slow"/>
+    </mc:Fallback>
+  </mc:AlternateContent>
+</p:sld>
+</file>
+
 <file path=ppt/slides/slide2.xml><?xml version="1.0" encoding="utf-8"?>
 <p:sld xmlns:a="http://schemas.openxmlformats.org/drawingml/2006/main" xmlns:r="http://schemas.openxmlformats.org/officeDocument/2006/relationships" xmlns:p="http://schemas.openxmlformats.org/presentationml/2006/main">
   <p:cSld>
@@ -5840,24 +7880,19 @@
           <a:lstStyle/>
           <a:p>
             <a:r>
-              <a:rPr lang="en-US" dirty="0" smtClean="0"/>
+              <a:rPr lang="en-US" dirty="0"/>
               <a:t>Back in the 1970s, compilers were a new thing</a:t>
             </a:r>
-            <a:endParaRPr lang="en-US" dirty="0"/>
           </a:p>
           <a:p>
             <a:r>
               <a:rPr lang="en-US" dirty="0"/>
-              <a:t>So, the question was </a:t>
-            </a:r>
-            <a:r>
-              <a:rPr lang="en-US" dirty="0" smtClean="0"/>
-              <a:t>wrong</a:t>
-            </a:r>
-          </a:p>
-          <a:p>
-            <a:r>
-              <a:rPr lang="en-US" dirty="0" smtClean="0"/>
+              <a:t>So, the question was wrong</a:t>
+            </a:r>
+          </a:p>
+          <a:p>
+            <a:r>
+              <a:rPr lang="en-US" dirty="0"/>
               <a:t>The first operating system was assembled, not compiled.</a:t>
             </a:r>
             <a:endParaRPr lang="en-IN" dirty="0"/>
@@ -6202,13 +8237,6 @@
   <p:clrMapOvr>
     <a:masterClrMapping/>
   </p:clrMapOvr>
-  <p:timing>
-    <p:tnLst>
-      <p:par>
-        <p:cTn id="1" dur="indefinite" restart="never" nodeType="tmRoot"/>
-      </p:par>
-    </p:tnLst>
-  </p:timing>
 </p:sld>
 </file>
 
@@ -6281,15 +8309,7 @@
             </a:pPr>
             <a:r>
               <a:rPr lang="en-US" dirty="0"/>
-              <a:t>for( i = 1 -&gt; </a:t>
-            </a:r>
-            <a:r>
-              <a:rPr lang="en-US" dirty="0" smtClean="0"/>
-              <a:t>N </a:t>
-            </a:r>
-            <a:r>
-              <a:rPr lang="en-US" dirty="0"/>
-              <a:t>)</a:t>
+              <a:t>for( i = 1 -&gt; N )</a:t>
             </a:r>
           </a:p>
           <a:p>
@@ -8643,48 +10663,38 @@
             <a:pPr lvl="1"/>
             <a:r>
               <a:rPr lang="en-US" dirty="0"/>
-              <a:t>array </a:t>
-            </a:r>
-            <a:r>
-              <a:rPr lang="en-US" dirty="0" smtClean="0"/>
-              <a:t>sizes</a:t>
+              <a:t>array sizes</a:t>
             </a:r>
           </a:p>
           <a:p>
             <a:pPr lvl="2"/>
             <a:r>
-              <a:rPr lang="en-US" dirty="0" smtClean="0"/>
+              <a:rPr lang="en-US" dirty="0"/>
               <a:t>If the array size to test with is too large to fit into the  memory, then repeat the same operation on arrays with smaller size a large number of times.</a:t>
             </a:r>
-            <a:endParaRPr lang="en-US" dirty="0"/>
           </a:p>
           <a:p>
             <a:pPr lvl="1"/>
             <a:r>
               <a:rPr lang="en-US" b="1" dirty="0"/>
-              <a:t>Data </a:t>
-            </a:r>
-            <a:r>
-              <a:rPr lang="en-US" b="1" dirty="0" smtClean="0"/>
-              <a:t>types ( </a:t>
-            </a:r>
-            <a:r>
-              <a:rPr lang="en-US" b="1" dirty="0" smtClean="0"/>
+              <a:t>Data types ( </a:t>
+            </a:r>
+            <a:r>
+              <a:rPr lang="en-US" b="1" dirty="0" err="1"/>
               <a:t>int</a:t>
             </a:r>
             <a:r>
-              <a:rPr lang="en-US" b="1" dirty="0" smtClean="0"/>
+              <a:rPr lang="en-US" b="1" dirty="0"/>
               <a:t> </a:t>
             </a:r>
             <a:r>
-              <a:rPr lang="en-US" b="1" dirty="0" smtClean="0"/>
+              <a:rPr lang="en-US" b="1" dirty="0" err="1"/>
               <a:t>Vs</a:t>
             </a:r>
             <a:r>
-              <a:rPr lang="en-US" b="1" dirty="0" smtClean="0"/>
+              <a:rPr lang="en-US" b="1" dirty="0"/>
               <a:t> float )</a:t>
             </a:r>
-            <a:endParaRPr lang="en-US" b="1" dirty="0"/>
           </a:p>
           <a:p>
             <a:r>
@@ -8728,20 +10738,15 @@
             </a:r>
             <a:r>
               <a:rPr lang="en-US" dirty="0"/>
-              <a:t> faster</a:t>
-            </a:r>
-            <a:r>
-              <a:rPr lang="en-US" dirty="0" smtClean="0"/>
-              <a:t>.</a:t>
+              <a:t> faster.</a:t>
             </a:r>
           </a:p>
           <a:p>
             <a:pPr lvl="2"/>
             <a:r>
-              <a:rPr lang="en-US" dirty="0" smtClean="0"/>
+              <a:rPr lang="en-US" dirty="0"/>
               <a:t>Temporal locality</a:t>
             </a:r>
-            <a:endParaRPr lang="en-US" dirty="0"/>
           </a:p>
           <a:p>
             <a:pPr lvl="1"/>
@@ -9029,79 +11034,58 @@
             <a:pPr lvl="1"/>
             <a:r>
               <a:rPr lang="en-US" dirty="0"/>
-              <a:t>sum += arr[i] + arr[i+1] + arr[i+2</a:t>
-            </a:r>
-            <a:r>
-              <a:rPr lang="en-US" dirty="0" smtClean="0"/>
-              <a:t>];…</a:t>
+              <a:t>sum += arr[i] + arr[i+1] + arr[i+2];…</a:t>
             </a:r>
           </a:p>
           <a:p>
             <a:pPr lvl="2"/>
             <a:r>
               <a:rPr lang="en-US" dirty="0"/>
-              <a:t>Software </a:t>
-            </a:r>
-            <a:r>
-              <a:rPr lang="en-US" dirty="0" smtClean="0"/>
-              <a:t>pipelining : </a:t>
-            </a:r>
+              <a:t>Software pipelining : allows compiler to exploit pipelining</a:t>
+            </a:r>
+          </a:p>
+          <a:p>
             <a:r>
               <a:rPr lang="en-US" dirty="0"/>
-              <a:t>a</a:t>
-            </a:r>
-            <a:r>
-              <a:rPr lang="en-US" dirty="0" smtClean="0"/>
-              <a:t>llows compiler to exploit pipelining</a:t>
-            </a:r>
-            <a:endParaRPr lang="en-US" dirty="0"/>
-          </a:p>
-          <a:p>
-            <a:r>
-              <a:rPr lang="en-US" dirty="0" smtClean="0"/>
               <a:t>Intrinsic Compiler </a:t>
             </a:r>
             <a:r>
-              <a:rPr lang="en-IN" dirty="0" smtClean="0"/>
+              <a:rPr lang="en-IN" dirty="0"/>
               <a:t>optimisations</a:t>
             </a:r>
           </a:p>
           <a:p>
             <a:pPr lvl="1"/>
             <a:r>
-              <a:rPr lang="en-US" dirty="0" smtClean="0">
+              <a:rPr lang="en-US" dirty="0">
                 <a:latin typeface="Courier New" panose="02070309020205020404" pitchFamily="49" charset="0"/>
                 <a:cs typeface="Courier New" panose="02070309020205020404" pitchFamily="49" charset="0"/>
               </a:rPr>
               <a:t>gcc</a:t>
             </a:r>
             <a:r>
-              <a:rPr lang="en-US" dirty="0" smtClean="0"/>
-              <a:t>’s</a:t>
-            </a:r>
-            <a:r>
               <a:rPr lang="en-US" dirty="0"/>
-              <a:t> </a:t>
-            </a:r>
-            <a:r>
-              <a:rPr lang="en-US" dirty="0" smtClean="0">
+              <a:t>’s </a:t>
+            </a:r>
+            <a:r>
+              <a:rPr lang="en-US" dirty="0">
                 <a:latin typeface="Courier New" panose="02070309020205020404" pitchFamily="49" charset="0"/>
                 <a:cs typeface="Courier New" panose="02070309020205020404" pitchFamily="49" charset="0"/>
               </a:rPr>
               <a:t>-funroll-loop </a:t>
             </a:r>
             <a:r>
-              <a:rPr lang="en-US" dirty="0" smtClean="0"/>
+              <a:rPr lang="en-US" dirty="0"/>
               <a:t>can identify and include loop unrolling automatically</a:t>
             </a:r>
           </a:p>
           <a:p>
             <a:pPr lvl="2"/>
             <a:r>
-              <a:rPr lang="en-US" dirty="0" smtClean="0"/>
+              <a:rPr lang="en-US" dirty="0"/>
               <a:t>$ gcc main.c –funroll-loop</a:t>
             </a:r>
-            <a:endParaRPr lang="en-IN" dirty="0" smtClean="0"/>
+            <a:endParaRPr lang="en-IN" dirty="0"/>
           </a:p>
           <a:p>
             <a:pPr lvl="2"/>
@@ -9119,14 +11103,6 @@
   <p:clrMapOvr>
     <a:masterClrMapping/>
   </p:clrMapOvr>
-  <mc:AlternateContent xmlns:mc="http://schemas.openxmlformats.org/markup-compatibility/2006" xmlns:p14="http://schemas.microsoft.com/office/powerpoint/2010/main">
-    <mc:Choice Requires="p14">
-      <p:transition spd="slow" p14:dur="2000"/>
-    </mc:Choice>
-    <mc:Fallback xmlns="">
-      <p:transition spd="slow"/>
-    </mc:Fallback>
-  </mc:AlternateContent>
   <p:timing>
     <p:tnLst>
       <p:par>
